--- a/public/別擔心，我來「照」-01057102-01057123.pptx
+++ b/public/別擔心，我來「照」-01057102-01057123.pptx
@@ -116,7 +116,7 @@
   </p:defaultTextStyle>
   <p:extLst>
     <p:ext uri="{EFAFB233-063F-42B5-8137-9DF3F51BA10A}">
-      <p15:sldGuideLst xmlns:p15="http://schemas.microsoft.com/office/powerpoint/2012/main" xmlns=""/>
+      <p15:sldGuideLst xmlns:p15="http://schemas.microsoft.com/office/powerpoint/2012/main"/>
     </p:ext>
   </p:extLst>
 </p:presentation>
@@ -2664,17 +2664,17 @@
     </dgm:pt>
   </dgm:ptLst>
   <dgm:cxnLst>
+    <dgm:cxn modelId="{6BB39330-07D5-42B7-BBF6-096564AB4C45}" srcId="{AE103181-5187-4882-B5BD-D1481B274151}" destId="{826FECD2-C347-450A-93A1-0E173D845F3B}" srcOrd="0" destOrd="0" parTransId="{1DCD1EA0-3080-48AC-B30B-F12E68256FD5}" sibTransId="{5FE84F52-6727-408D-8EFB-649FF515254E}"/>
+    <dgm:cxn modelId="{59C1F3DF-A0D1-41D1-AC40-A7A918C9824F}" type="presOf" srcId="{7C3B6AF8-F01C-47E4-9953-B8BF11FA8997}" destId="{B9C8514F-5089-493E-89B7-45E3D4E74C99}" srcOrd="0" destOrd="0" presId="urn:microsoft.com/office/officeart/2008/layout/RadialCluster"/>
+    <dgm:cxn modelId="{9F5ADDD4-9ECE-4F73-8DE1-A5B9046C88A2}" srcId="{826FECD2-C347-450A-93A1-0E173D845F3B}" destId="{7C3B6AF8-F01C-47E4-9953-B8BF11FA8997}" srcOrd="2" destOrd="0" parTransId="{74EA76A5-F02D-4154-AB05-DFC1CD4B16B6}" sibTransId="{D276F8F8-6E2F-40E1-B878-91F8420FA3B9}"/>
+    <dgm:cxn modelId="{3163B3CB-FFD8-4A6E-BB0E-88C49523E3FD}" type="presOf" srcId="{74EA76A5-F02D-4154-AB05-DFC1CD4B16B6}" destId="{89EE4BFD-55BB-4708-8249-3ED89B492AA2}" srcOrd="0" destOrd="0" presId="urn:microsoft.com/office/officeart/2008/layout/RadialCluster"/>
+    <dgm:cxn modelId="{7B72AED3-53B7-4E6B-80AE-96FA0271DECA}" type="presOf" srcId="{94A32C8F-15E8-43AF-9D12-4DDFD8E0AEA3}" destId="{ECBF4DE9-2A28-4C50-9E7F-DA1FB3161753}" srcOrd="0" destOrd="0" presId="urn:microsoft.com/office/officeart/2008/layout/RadialCluster"/>
+    <dgm:cxn modelId="{DD34CC8F-F223-4055-8F10-7044A02F8DA7}" type="presOf" srcId="{95670E76-2BE3-4EFE-993C-EBC448587FE2}" destId="{83FC3B47-ABCF-4D1D-865A-EFF4B9A5444B}" srcOrd="0" destOrd="0" presId="urn:microsoft.com/office/officeart/2008/layout/RadialCluster"/>
     <dgm:cxn modelId="{7ED826C9-AB4C-4896-AA16-54DAB700EFEE}" type="presOf" srcId="{AE103181-5187-4882-B5BD-D1481B274151}" destId="{1170408C-ED11-48F7-9112-8C50EC5E6F43}" srcOrd="0" destOrd="0" presId="urn:microsoft.com/office/officeart/2008/layout/RadialCluster"/>
+    <dgm:cxn modelId="{F9D974DB-6389-4670-B5CF-1A45C95A6FF0}" srcId="{826FECD2-C347-450A-93A1-0E173D845F3B}" destId="{94A32C8F-15E8-43AF-9D12-4DDFD8E0AEA3}" srcOrd="0" destOrd="0" parTransId="{D22BBA11-BA2C-4C3F-B846-D5960060119F}" sibTransId="{9FBF74C8-30C8-44A1-A076-CC25C9DA9AC5}"/>
     <dgm:cxn modelId="{A5D1AF00-304A-4A23-A054-63CB14F5D201}" type="presOf" srcId="{A7B2539F-599E-4C96-9144-6D5017712E3B}" destId="{6F7D3458-4982-4F9D-89D9-39123DC55A6C}" srcOrd="0" destOrd="0" presId="urn:microsoft.com/office/officeart/2008/layout/RadialCluster"/>
-    <dgm:cxn modelId="{59C1F3DF-A0D1-41D1-AC40-A7A918C9824F}" type="presOf" srcId="{7C3B6AF8-F01C-47E4-9953-B8BF11FA8997}" destId="{B9C8514F-5089-493E-89B7-45E3D4E74C99}" srcOrd="0" destOrd="0" presId="urn:microsoft.com/office/officeart/2008/layout/RadialCluster"/>
+    <dgm:cxn modelId="{C461033A-884B-4030-9B75-D76704291713}" type="presOf" srcId="{D22BBA11-BA2C-4C3F-B846-D5960060119F}" destId="{A36A3FC2-D5E8-4031-9623-23DBC2AD2120}" srcOrd="0" destOrd="0" presId="urn:microsoft.com/office/officeart/2008/layout/RadialCluster"/>
     <dgm:cxn modelId="{EE47CC81-1670-4863-8829-97B6F2F3FB97}" srcId="{826FECD2-C347-450A-93A1-0E173D845F3B}" destId="{A7B2539F-599E-4C96-9144-6D5017712E3B}" srcOrd="1" destOrd="0" parTransId="{95670E76-2BE3-4EFE-993C-EBC448587FE2}" sibTransId="{84302004-E52A-4AA0-9827-A4CACBD10887}"/>
-    <dgm:cxn modelId="{3163B3CB-FFD8-4A6E-BB0E-88C49523E3FD}" type="presOf" srcId="{74EA76A5-F02D-4154-AB05-DFC1CD4B16B6}" destId="{89EE4BFD-55BB-4708-8249-3ED89B492AA2}" srcOrd="0" destOrd="0" presId="urn:microsoft.com/office/officeart/2008/layout/RadialCluster"/>
-    <dgm:cxn modelId="{DD34CC8F-F223-4055-8F10-7044A02F8DA7}" type="presOf" srcId="{95670E76-2BE3-4EFE-993C-EBC448587FE2}" destId="{83FC3B47-ABCF-4D1D-865A-EFF4B9A5444B}" srcOrd="0" destOrd="0" presId="urn:microsoft.com/office/officeart/2008/layout/RadialCluster"/>
-    <dgm:cxn modelId="{F9D974DB-6389-4670-B5CF-1A45C95A6FF0}" srcId="{826FECD2-C347-450A-93A1-0E173D845F3B}" destId="{94A32C8F-15E8-43AF-9D12-4DDFD8E0AEA3}" srcOrd="0" destOrd="0" parTransId="{D22BBA11-BA2C-4C3F-B846-D5960060119F}" sibTransId="{9FBF74C8-30C8-44A1-A076-CC25C9DA9AC5}"/>
-    <dgm:cxn modelId="{7B72AED3-53B7-4E6B-80AE-96FA0271DECA}" type="presOf" srcId="{94A32C8F-15E8-43AF-9D12-4DDFD8E0AEA3}" destId="{ECBF4DE9-2A28-4C50-9E7F-DA1FB3161753}" srcOrd="0" destOrd="0" presId="urn:microsoft.com/office/officeart/2008/layout/RadialCluster"/>
-    <dgm:cxn modelId="{9F5ADDD4-9ECE-4F73-8DE1-A5B9046C88A2}" srcId="{826FECD2-C347-450A-93A1-0E173D845F3B}" destId="{7C3B6AF8-F01C-47E4-9953-B8BF11FA8997}" srcOrd="2" destOrd="0" parTransId="{74EA76A5-F02D-4154-AB05-DFC1CD4B16B6}" sibTransId="{D276F8F8-6E2F-40E1-B878-91F8420FA3B9}"/>
-    <dgm:cxn modelId="{6BB39330-07D5-42B7-BBF6-096564AB4C45}" srcId="{AE103181-5187-4882-B5BD-D1481B274151}" destId="{826FECD2-C347-450A-93A1-0E173D845F3B}" srcOrd="0" destOrd="0" parTransId="{1DCD1EA0-3080-48AC-B30B-F12E68256FD5}" sibTransId="{5FE84F52-6727-408D-8EFB-649FF515254E}"/>
-    <dgm:cxn modelId="{C461033A-884B-4030-9B75-D76704291713}" type="presOf" srcId="{D22BBA11-BA2C-4C3F-B846-D5960060119F}" destId="{A36A3FC2-D5E8-4031-9623-23DBC2AD2120}" srcOrd="0" destOrd="0" presId="urn:microsoft.com/office/officeart/2008/layout/RadialCluster"/>
     <dgm:cxn modelId="{0D7C167A-73DA-4FE5-B31C-0355B2523FC0}" type="presOf" srcId="{826FECD2-C347-450A-93A1-0E173D845F3B}" destId="{E3D3DA41-93D4-4493-BA42-EB12901EBD99}" srcOrd="0" destOrd="0" presId="urn:microsoft.com/office/officeart/2008/layout/RadialCluster"/>
     <dgm:cxn modelId="{8BCE0961-1D36-4F2E-808B-9A699C6C0B36}" type="presParOf" srcId="{1170408C-ED11-48F7-9112-8C50EC5E6F43}" destId="{2F6D9CD4-C0FC-4A4A-A93F-208C9BB3774E}" srcOrd="0" destOrd="0" presId="urn:microsoft.com/office/officeart/2008/layout/RadialCluster"/>
     <dgm:cxn modelId="{7C60910D-6003-454E-B226-C573EEB44A40}" type="presParOf" srcId="{2F6D9CD4-C0FC-4A4A-A93F-208C9BB3774E}" destId="{E3D3DA41-93D4-4493-BA42-EB12901EBD99}" srcOrd="0" destOrd="0" presId="urn:microsoft.com/office/officeart/2008/layout/RadialCluster"/>
@@ -2689,7 +2689,7 @@
   <dgm:whole/>
   <dgm:extLst>
     <a:ext uri="http://schemas.microsoft.com/office/drawing/2008/diagram">
-      <dsp:dataModelExt xmlns:dsp="http://schemas.microsoft.com/office/drawing/2008/diagram" xmlns="" relId="rId7" minVer="http://schemas.openxmlformats.org/drawingml/2006/diagram"/>
+      <dsp:dataModelExt xmlns:dsp="http://schemas.microsoft.com/office/drawing/2008/diagram" relId="rId7" minVer="http://schemas.openxmlformats.org/drawingml/2006/diagram"/>
     </a:ext>
   </dgm:extLst>
 </dgm:dataModel>
@@ -2996,17 +2996,17 @@
     </dgm:pt>
   </dgm:ptLst>
   <dgm:cxnLst>
+    <dgm:cxn modelId="{6BB39330-07D5-42B7-BBF6-096564AB4C45}" srcId="{AE103181-5187-4882-B5BD-D1481B274151}" destId="{826FECD2-C347-450A-93A1-0E173D845F3B}" srcOrd="0" destOrd="0" parTransId="{1DCD1EA0-3080-48AC-B30B-F12E68256FD5}" sibTransId="{5FE84F52-6727-408D-8EFB-649FF515254E}"/>
+    <dgm:cxn modelId="{59C1F3DF-A0D1-41D1-AC40-A7A918C9824F}" type="presOf" srcId="{7C3B6AF8-F01C-47E4-9953-B8BF11FA8997}" destId="{B9C8514F-5089-493E-89B7-45E3D4E74C99}" srcOrd="0" destOrd="0" presId="urn:microsoft.com/office/officeart/2008/layout/RadialCluster"/>
+    <dgm:cxn modelId="{9F5ADDD4-9ECE-4F73-8DE1-A5B9046C88A2}" srcId="{826FECD2-C347-450A-93A1-0E173D845F3B}" destId="{7C3B6AF8-F01C-47E4-9953-B8BF11FA8997}" srcOrd="2" destOrd="0" parTransId="{74EA76A5-F02D-4154-AB05-DFC1CD4B16B6}" sibTransId="{D276F8F8-6E2F-40E1-B878-91F8420FA3B9}"/>
+    <dgm:cxn modelId="{3163B3CB-FFD8-4A6E-BB0E-88C49523E3FD}" type="presOf" srcId="{74EA76A5-F02D-4154-AB05-DFC1CD4B16B6}" destId="{89EE4BFD-55BB-4708-8249-3ED89B492AA2}" srcOrd="0" destOrd="0" presId="urn:microsoft.com/office/officeart/2008/layout/RadialCluster"/>
+    <dgm:cxn modelId="{7B72AED3-53B7-4E6B-80AE-96FA0271DECA}" type="presOf" srcId="{94A32C8F-15E8-43AF-9D12-4DDFD8E0AEA3}" destId="{ECBF4DE9-2A28-4C50-9E7F-DA1FB3161753}" srcOrd="0" destOrd="0" presId="urn:microsoft.com/office/officeart/2008/layout/RadialCluster"/>
+    <dgm:cxn modelId="{DD34CC8F-F223-4055-8F10-7044A02F8DA7}" type="presOf" srcId="{95670E76-2BE3-4EFE-993C-EBC448587FE2}" destId="{83FC3B47-ABCF-4D1D-865A-EFF4B9A5444B}" srcOrd="0" destOrd="0" presId="urn:microsoft.com/office/officeart/2008/layout/RadialCluster"/>
     <dgm:cxn modelId="{7ED826C9-AB4C-4896-AA16-54DAB700EFEE}" type="presOf" srcId="{AE103181-5187-4882-B5BD-D1481B274151}" destId="{1170408C-ED11-48F7-9112-8C50EC5E6F43}" srcOrd="0" destOrd="0" presId="urn:microsoft.com/office/officeart/2008/layout/RadialCluster"/>
+    <dgm:cxn modelId="{F9D974DB-6389-4670-B5CF-1A45C95A6FF0}" srcId="{826FECD2-C347-450A-93A1-0E173D845F3B}" destId="{94A32C8F-15E8-43AF-9D12-4DDFD8E0AEA3}" srcOrd="0" destOrd="0" parTransId="{D22BBA11-BA2C-4C3F-B846-D5960060119F}" sibTransId="{9FBF74C8-30C8-44A1-A076-CC25C9DA9AC5}"/>
     <dgm:cxn modelId="{A5D1AF00-304A-4A23-A054-63CB14F5D201}" type="presOf" srcId="{A7B2539F-599E-4C96-9144-6D5017712E3B}" destId="{6F7D3458-4982-4F9D-89D9-39123DC55A6C}" srcOrd="0" destOrd="0" presId="urn:microsoft.com/office/officeart/2008/layout/RadialCluster"/>
-    <dgm:cxn modelId="{59C1F3DF-A0D1-41D1-AC40-A7A918C9824F}" type="presOf" srcId="{7C3B6AF8-F01C-47E4-9953-B8BF11FA8997}" destId="{B9C8514F-5089-493E-89B7-45E3D4E74C99}" srcOrd="0" destOrd="0" presId="urn:microsoft.com/office/officeart/2008/layout/RadialCluster"/>
+    <dgm:cxn modelId="{C461033A-884B-4030-9B75-D76704291713}" type="presOf" srcId="{D22BBA11-BA2C-4C3F-B846-D5960060119F}" destId="{A36A3FC2-D5E8-4031-9623-23DBC2AD2120}" srcOrd="0" destOrd="0" presId="urn:microsoft.com/office/officeart/2008/layout/RadialCluster"/>
     <dgm:cxn modelId="{EE47CC81-1670-4863-8829-97B6F2F3FB97}" srcId="{826FECD2-C347-450A-93A1-0E173D845F3B}" destId="{A7B2539F-599E-4C96-9144-6D5017712E3B}" srcOrd="1" destOrd="0" parTransId="{95670E76-2BE3-4EFE-993C-EBC448587FE2}" sibTransId="{84302004-E52A-4AA0-9827-A4CACBD10887}"/>
-    <dgm:cxn modelId="{3163B3CB-FFD8-4A6E-BB0E-88C49523E3FD}" type="presOf" srcId="{74EA76A5-F02D-4154-AB05-DFC1CD4B16B6}" destId="{89EE4BFD-55BB-4708-8249-3ED89B492AA2}" srcOrd="0" destOrd="0" presId="urn:microsoft.com/office/officeart/2008/layout/RadialCluster"/>
-    <dgm:cxn modelId="{DD34CC8F-F223-4055-8F10-7044A02F8DA7}" type="presOf" srcId="{95670E76-2BE3-4EFE-993C-EBC448587FE2}" destId="{83FC3B47-ABCF-4D1D-865A-EFF4B9A5444B}" srcOrd="0" destOrd="0" presId="urn:microsoft.com/office/officeart/2008/layout/RadialCluster"/>
-    <dgm:cxn modelId="{F9D974DB-6389-4670-B5CF-1A45C95A6FF0}" srcId="{826FECD2-C347-450A-93A1-0E173D845F3B}" destId="{94A32C8F-15E8-43AF-9D12-4DDFD8E0AEA3}" srcOrd="0" destOrd="0" parTransId="{D22BBA11-BA2C-4C3F-B846-D5960060119F}" sibTransId="{9FBF74C8-30C8-44A1-A076-CC25C9DA9AC5}"/>
-    <dgm:cxn modelId="{7B72AED3-53B7-4E6B-80AE-96FA0271DECA}" type="presOf" srcId="{94A32C8F-15E8-43AF-9D12-4DDFD8E0AEA3}" destId="{ECBF4DE9-2A28-4C50-9E7F-DA1FB3161753}" srcOrd="0" destOrd="0" presId="urn:microsoft.com/office/officeart/2008/layout/RadialCluster"/>
-    <dgm:cxn modelId="{9F5ADDD4-9ECE-4F73-8DE1-A5B9046C88A2}" srcId="{826FECD2-C347-450A-93A1-0E173D845F3B}" destId="{7C3B6AF8-F01C-47E4-9953-B8BF11FA8997}" srcOrd="2" destOrd="0" parTransId="{74EA76A5-F02D-4154-AB05-DFC1CD4B16B6}" sibTransId="{D276F8F8-6E2F-40E1-B878-91F8420FA3B9}"/>
-    <dgm:cxn modelId="{6BB39330-07D5-42B7-BBF6-096564AB4C45}" srcId="{AE103181-5187-4882-B5BD-D1481B274151}" destId="{826FECD2-C347-450A-93A1-0E173D845F3B}" srcOrd="0" destOrd="0" parTransId="{1DCD1EA0-3080-48AC-B30B-F12E68256FD5}" sibTransId="{5FE84F52-6727-408D-8EFB-649FF515254E}"/>
-    <dgm:cxn modelId="{C461033A-884B-4030-9B75-D76704291713}" type="presOf" srcId="{D22BBA11-BA2C-4C3F-B846-D5960060119F}" destId="{A36A3FC2-D5E8-4031-9623-23DBC2AD2120}" srcOrd="0" destOrd="0" presId="urn:microsoft.com/office/officeart/2008/layout/RadialCluster"/>
     <dgm:cxn modelId="{0D7C167A-73DA-4FE5-B31C-0355B2523FC0}" type="presOf" srcId="{826FECD2-C347-450A-93A1-0E173D845F3B}" destId="{E3D3DA41-93D4-4493-BA42-EB12901EBD99}" srcOrd="0" destOrd="0" presId="urn:microsoft.com/office/officeart/2008/layout/RadialCluster"/>
     <dgm:cxn modelId="{8BCE0961-1D36-4F2E-808B-9A699C6C0B36}" type="presParOf" srcId="{1170408C-ED11-48F7-9112-8C50EC5E6F43}" destId="{2F6D9CD4-C0FC-4A4A-A93F-208C9BB3774E}" srcOrd="0" destOrd="0" presId="urn:microsoft.com/office/officeart/2008/layout/RadialCluster"/>
     <dgm:cxn modelId="{7C60910D-6003-454E-B226-C573EEB44A40}" type="presParOf" srcId="{2F6D9CD4-C0FC-4A4A-A93F-208C9BB3774E}" destId="{E3D3DA41-93D4-4493-BA42-EB12901EBD99}" srcOrd="0" destOrd="0" presId="urn:microsoft.com/office/officeart/2008/layout/RadialCluster"/>
@@ -3021,7 +3021,7 @@
   <dgm:whole/>
   <dgm:extLst>
     <a:ext uri="http://schemas.microsoft.com/office/drawing/2008/diagram">
-      <dsp:dataModelExt xmlns:dsp="http://schemas.microsoft.com/office/drawing/2008/diagram" xmlns="" relId="rId7" minVer="http://schemas.openxmlformats.org/drawingml/2006/diagram"/>
+      <dsp:dataModelExt xmlns:dsp="http://schemas.microsoft.com/office/drawing/2008/diagram" relId="rId7" minVer="http://schemas.openxmlformats.org/drawingml/2006/diagram"/>
     </a:ext>
   </dgm:extLst>
 </dgm:dataModel>
@@ -3328,17 +3328,17 @@
     </dgm:pt>
   </dgm:ptLst>
   <dgm:cxnLst>
+    <dgm:cxn modelId="{6BB39330-07D5-42B7-BBF6-096564AB4C45}" srcId="{AE103181-5187-4882-B5BD-D1481B274151}" destId="{826FECD2-C347-450A-93A1-0E173D845F3B}" srcOrd="0" destOrd="0" parTransId="{1DCD1EA0-3080-48AC-B30B-F12E68256FD5}" sibTransId="{5FE84F52-6727-408D-8EFB-649FF515254E}"/>
+    <dgm:cxn modelId="{59C1F3DF-A0D1-41D1-AC40-A7A918C9824F}" type="presOf" srcId="{7C3B6AF8-F01C-47E4-9953-B8BF11FA8997}" destId="{B9C8514F-5089-493E-89B7-45E3D4E74C99}" srcOrd="0" destOrd="0" presId="urn:microsoft.com/office/officeart/2008/layout/RadialCluster"/>
+    <dgm:cxn modelId="{9F5ADDD4-9ECE-4F73-8DE1-A5B9046C88A2}" srcId="{826FECD2-C347-450A-93A1-0E173D845F3B}" destId="{7C3B6AF8-F01C-47E4-9953-B8BF11FA8997}" srcOrd="2" destOrd="0" parTransId="{74EA76A5-F02D-4154-AB05-DFC1CD4B16B6}" sibTransId="{D276F8F8-6E2F-40E1-B878-91F8420FA3B9}"/>
+    <dgm:cxn modelId="{3163B3CB-FFD8-4A6E-BB0E-88C49523E3FD}" type="presOf" srcId="{74EA76A5-F02D-4154-AB05-DFC1CD4B16B6}" destId="{89EE4BFD-55BB-4708-8249-3ED89B492AA2}" srcOrd="0" destOrd="0" presId="urn:microsoft.com/office/officeart/2008/layout/RadialCluster"/>
+    <dgm:cxn modelId="{7B72AED3-53B7-4E6B-80AE-96FA0271DECA}" type="presOf" srcId="{94A32C8F-15E8-43AF-9D12-4DDFD8E0AEA3}" destId="{ECBF4DE9-2A28-4C50-9E7F-DA1FB3161753}" srcOrd="0" destOrd="0" presId="urn:microsoft.com/office/officeart/2008/layout/RadialCluster"/>
+    <dgm:cxn modelId="{DD34CC8F-F223-4055-8F10-7044A02F8DA7}" type="presOf" srcId="{95670E76-2BE3-4EFE-993C-EBC448587FE2}" destId="{83FC3B47-ABCF-4D1D-865A-EFF4B9A5444B}" srcOrd="0" destOrd="0" presId="urn:microsoft.com/office/officeart/2008/layout/RadialCluster"/>
     <dgm:cxn modelId="{7ED826C9-AB4C-4896-AA16-54DAB700EFEE}" type="presOf" srcId="{AE103181-5187-4882-B5BD-D1481B274151}" destId="{1170408C-ED11-48F7-9112-8C50EC5E6F43}" srcOrd="0" destOrd="0" presId="urn:microsoft.com/office/officeart/2008/layout/RadialCluster"/>
+    <dgm:cxn modelId="{F9D974DB-6389-4670-B5CF-1A45C95A6FF0}" srcId="{826FECD2-C347-450A-93A1-0E173D845F3B}" destId="{94A32C8F-15E8-43AF-9D12-4DDFD8E0AEA3}" srcOrd="0" destOrd="0" parTransId="{D22BBA11-BA2C-4C3F-B846-D5960060119F}" sibTransId="{9FBF74C8-30C8-44A1-A076-CC25C9DA9AC5}"/>
     <dgm:cxn modelId="{A5D1AF00-304A-4A23-A054-63CB14F5D201}" type="presOf" srcId="{A7B2539F-599E-4C96-9144-6D5017712E3B}" destId="{6F7D3458-4982-4F9D-89D9-39123DC55A6C}" srcOrd="0" destOrd="0" presId="urn:microsoft.com/office/officeart/2008/layout/RadialCluster"/>
-    <dgm:cxn modelId="{59C1F3DF-A0D1-41D1-AC40-A7A918C9824F}" type="presOf" srcId="{7C3B6AF8-F01C-47E4-9953-B8BF11FA8997}" destId="{B9C8514F-5089-493E-89B7-45E3D4E74C99}" srcOrd="0" destOrd="0" presId="urn:microsoft.com/office/officeart/2008/layout/RadialCluster"/>
+    <dgm:cxn modelId="{C461033A-884B-4030-9B75-D76704291713}" type="presOf" srcId="{D22BBA11-BA2C-4C3F-B846-D5960060119F}" destId="{A36A3FC2-D5E8-4031-9623-23DBC2AD2120}" srcOrd="0" destOrd="0" presId="urn:microsoft.com/office/officeart/2008/layout/RadialCluster"/>
     <dgm:cxn modelId="{EE47CC81-1670-4863-8829-97B6F2F3FB97}" srcId="{826FECD2-C347-450A-93A1-0E173D845F3B}" destId="{A7B2539F-599E-4C96-9144-6D5017712E3B}" srcOrd="1" destOrd="0" parTransId="{95670E76-2BE3-4EFE-993C-EBC448587FE2}" sibTransId="{84302004-E52A-4AA0-9827-A4CACBD10887}"/>
-    <dgm:cxn modelId="{3163B3CB-FFD8-4A6E-BB0E-88C49523E3FD}" type="presOf" srcId="{74EA76A5-F02D-4154-AB05-DFC1CD4B16B6}" destId="{89EE4BFD-55BB-4708-8249-3ED89B492AA2}" srcOrd="0" destOrd="0" presId="urn:microsoft.com/office/officeart/2008/layout/RadialCluster"/>
-    <dgm:cxn modelId="{DD34CC8F-F223-4055-8F10-7044A02F8DA7}" type="presOf" srcId="{95670E76-2BE3-4EFE-993C-EBC448587FE2}" destId="{83FC3B47-ABCF-4D1D-865A-EFF4B9A5444B}" srcOrd="0" destOrd="0" presId="urn:microsoft.com/office/officeart/2008/layout/RadialCluster"/>
-    <dgm:cxn modelId="{F9D974DB-6389-4670-B5CF-1A45C95A6FF0}" srcId="{826FECD2-C347-450A-93A1-0E173D845F3B}" destId="{94A32C8F-15E8-43AF-9D12-4DDFD8E0AEA3}" srcOrd="0" destOrd="0" parTransId="{D22BBA11-BA2C-4C3F-B846-D5960060119F}" sibTransId="{9FBF74C8-30C8-44A1-A076-CC25C9DA9AC5}"/>
-    <dgm:cxn modelId="{7B72AED3-53B7-4E6B-80AE-96FA0271DECA}" type="presOf" srcId="{94A32C8F-15E8-43AF-9D12-4DDFD8E0AEA3}" destId="{ECBF4DE9-2A28-4C50-9E7F-DA1FB3161753}" srcOrd="0" destOrd="0" presId="urn:microsoft.com/office/officeart/2008/layout/RadialCluster"/>
-    <dgm:cxn modelId="{9F5ADDD4-9ECE-4F73-8DE1-A5B9046C88A2}" srcId="{826FECD2-C347-450A-93A1-0E173D845F3B}" destId="{7C3B6AF8-F01C-47E4-9953-B8BF11FA8997}" srcOrd="2" destOrd="0" parTransId="{74EA76A5-F02D-4154-AB05-DFC1CD4B16B6}" sibTransId="{D276F8F8-6E2F-40E1-B878-91F8420FA3B9}"/>
-    <dgm:cxn modelId="{6BB39330-07D5-42B7-BBF6-096564AB4C45}" srcId="{AE103181-5187-4882-B5BD-D1481B274151}" destId="{826FECD2-C347-450A-93A1-0E173D845F3B}" srcOrd="0" destOrd="0" parTransId="{1DCD1EA0-3080-48AC-B30B-F12E68256FD5}" sibTransId="{5FE84F52-6727-408D-8EFB-649FF515254E}"/>
-    <dgm:cxn modelId="{C461033A-884B-4030-9B75-D76704291713}" type="presOf" srcId="{D22BBA11-BA2C-4C3F-B846-D5960060119F}" destId="{A36A3FC2-D5E8-4031-9623-23DBC2AD2120}" srcOrd="0" destOrd="0" presId="urn:microsoft.com/office/officeart/2008/layout/RadialCluster"/>
     <dgm:cxn modelId="{0D7C167A-73DA-4FE5-B31C-0355B2523FC0}" type="presOf" srcId="{826FECD2-C347-450A-93A1-0E173D845F3B}" destId="{E3D3DA41-93D4-4493-BA42-EB12901EBD99}" srcOrd="0" destOrd="0" presId="urn:microsoft.com/office/officeart/2008/layout/RadialCluster"/>
     <dgm:cxn modelId="{8BCE0961-1D36-4F2E-808B-9A699C6C0B36}" type="presParOf" srcId="{1170408C-ED11-48F7-9112-8C50EC5E6F43}" destId="{2F6D9CD4-C0FC-4A4A-A93F-208C9BB3774E}" srcOrd="0" destOrd="0" presId="urn:microsoft.com/office/officeart/2008/layout/RadialCluster"/>
     <dgm:cxn modelId="{7C60910D-6003-454E-B226-C573EEB44A40}" type="presParOf" srcId="{2F6D9CD4-C0FC-4A4A-A93F-208C9BB3774E}" destId="{E3D3DA41-93D4-4493-BA42-EB12901EBD99}" srcOrd="0" destOrd="0" presId="urn:microsoft.com/office/officeart/2008/layout/RadialCluster"/>
@@ -3353,14 +3353,14 @@
   <dgm:whole/>
   <dgm:extLst>
     <a:ext uri="http://schemas.microsoft.com/office/drawing/2008/diagram">
-      <dsp:dataModelExt xmlns:dsp="http://schemas.microsoft.com/office/drawing/2008/diagram" xmlns="" relId="rId7" minVer="http://schemas.openxmlformats.org/drawingml/2006/diagram"/>
+      <dsp:dataModelExt xmlns:dsp="http://schemas.microsoft.com/office/drawing/2008/diagram" relId="rId7" minVer="http://schemas.openxmlformats.org/drawingml/2006/diagram"/>
     </a:ext>
   </dgm:extLst>
 </dgm:dataModel>
 </file>
 
 <file path=ppt/diagrams/drawing1.xml><?xml version="1.0" encoding="utf-8"?>
-<dsp:drawing xmlns:dgm="http://schemas.openxmlformats.org/drawingml/2006/diagram" xmlns:a="http://schemas.openxmlformats.org/drawingml/2006/main" xmlns:dsp="http://schemas.microsoft.com/office/drawing/2008/diagram">
+<dsp:drawing xmlns:dgm="http://schemas.openxmlformats.org/drawingml/2006/diagram" xmlns:dsp="http://schemas.microsoft.com/office/drawing/2008/diagram" xmlns:a="http://schemas.openxmlformats.org/drawingml/2006/main">
   <dsp:spTree>
     <dsp:nvGrpSpPr>
       <dsp:cNvPr id="0" name=""/>
@@ -3437,8 +3437,8 @@
         </a:p>
       </dsp:txBody>
       <dsp:txXfrm>
-        <a:off x="1792663" y="1468637"/>
-        <a:ext cx="924785" cy="924785"/>
+        <a:off x="1837807" y="1513781"/>
+        <a:ext cx="834497" cy="834497"/>
       </dsp:txXfrm>
     </dsp:sp>
     <dsp:sp modelId="{A36A3FC2-D5E8-4031-9623-23DBC2AD2120}">
@@ -3584,8 +3584,8 @@
         </a:p>
       </dsp:txBody>
       <dsp:txXfrm>
-        <a:off x="1997911" y="88395"/>
-        <a:ext cx="619606" cy="619606"/>
+        <a:off x="2028158" y="118642"/>
+        <a:ext cx="559112" cy="559112"/>
       </dsp:txXfrm>
     </dsp:sp>
     <dsp:sp modelId="{83FC3B47-ABCF-4D1D-865A-EFF4B9A5444B}">
@@ -3732,8 +3732,8 @@
         </a:p>
       </dsp:txBody>
       <dsp:txXfrm>
-        <a:off x="3163219" y="1557837"/>
-        <a:ext cx="962223" cy="929365"/>
+        <a:off x="3208587" y="1603205"/>
+        <a:ext cx="871487" cy="838629"/>
       </dsp:txXfrm>
     </dsp:sp>
     <dsp:sp modelId="{89EE4BFD-55BB-4708-8249-3ED89B492AA2}">
@@ -3880,8 +3880,8 @@
         </a:p>
       </dsp:txBody>
       <dsp:txXfrm>
-        <a:off x="556396" y="1534648"/>
-        <a:ext cx="923045" cy="923045"/>
+        <a:off x="601455" y="1579707"/>
+        <a:ext cx="832927" cy="832927"/>
       </dsp:txXfrm>
     </dsp:sp>
   </dsp:spTree>
@@ -3889,7 +3889,7 @@
 </file>
 
 <file path=ppt/diagrams/drawing2.xml><?xml version="1.0" encoding="utf-8"?>
-<dsp:drawing xmlns:dgm="http://schemas.openxmlformats.org/drawingml/2006/diagram" xmlns:a="http://schemas.openxmlformats.org/drawingml/2006/main" xmlns:dsp="http://schemas.microsoft.com/office/drawing/2008/diagram">
+<dsp:drawing xmlns:dgm="http://schemas.openxmlformats.org/drawingml/2006/diagram" xmlns:dsp="http://schemas.microsoft.com/office/drawing/2008/diagram" xmlns:a="http://schemas.openxmlformats.org/drawingml/2006/main">
   <dsp:spTree>
     <dsp:nvGrpSpPr>
       <dsp:cNvPr id="0" name=""/>
@@ -3966,8 +3966,8 @@
         </a:p>
       </dsp:txBody>
       <dsp:txXfrm>
-        <a:off x="1792663" y="1468637"/>
-        <a:ext cx="924785" cy="924785"/>
+        <a:off x="1837807" y="1513781"/>
+        <a:ext cx="834497" cy="834497"/>
       </dsp:txXfrm>
     </dsp:sp>
     <dsp:sp modelId="{A36A3FC2-D5E8-4031-9623-23DBC2AD2120}">
@@ -4113,8 +4113,8 @@
         </a:p>
       </dsp:txBody>
       <dsp:txXfrm>
-        <a:off x="1997911" y="88395"/>
-        <a:ext cx="619606" cy="619606"/>
+        <a:off x="2028158" y="118642"/>
+        <a:ext cx="559112" cy="559112"/>
       </dsp:txXfrm>
     </dsp:sp>
     <dsp:sp modelId="{83FC3B47-ABCF-4D1D-865A-EFF4B9A5444B}">
@@ -4261,8 +4261,8 @@
         </a:p>
       </dsp:txBody>
       <dsp:txXfrm>
-        <a:off x="3163219" y="1557837"/>
-        <a:ext cx="962223" cy="929365"/>
+        <a:off x="3208587" y="1603205"/>
+        <a:ext cx="871487" cy="838629"/>
       </dsp:txXfrm>
     </dsp:sp>
     <dsp:sp modelId="{89EE4BFD-55BB-4708-8249-3ED89B492AA2}">
@@ -4409,8 +4409,8 @@
         </a:p>
       </dsp:txBody>
       <dsp:txXfrm>
-        <a:off x="556396" y="1534648"/>
-        <a:ext cx="923045" cy="923045"/>
+        <a:off x="601455" y="1579707"/>
+        <a:ext cx="832927" cy="832927"/>
       </dsp:txXfrm>
     </dsp:sp>
   </dsp:spTree>
@@ -4418,7 +4418,7 @@
 </file>
 
 <file path=ppt/diagrams/drawing3.xml><?xml version="1.0" encoding="utf-8"?>
-<dsp:drawing xmlns:dgm="http://schemas.openxmlformats.org/drawingml/2006/diagram" xmlns:a="http://schemas.openxmlformats.org/drawingml/2006/main" xmlns:dsp="http://schemas.microsoft.com/office/drawing/2008/diagram">
+<dsp:drawing xmlns:dgm="http://schemas.openxmlformats.org/drawingml/2006/diagram" xmlns:dsp="http://schemas.microsoft.com/office/drawing/2008/diagram" xmlns:a="http://schemas.openxmlformats.org/drawingml/2006/main">
   <dsp:spTree>
     <dsp:nvGrpSpPr>
       <dsp:cNvPr id="0" name=""/>
@@ -4495,8 +4495,8 @@
         </a:p>
       </dsp:txBody>
       <dsp:txXfrm>
-        <a:off x="1792663" y="1468637"/>
-        <a:ext cx="924785" cy="924785"/>
+        <a:off x="1837807" y="1513781"/>
+        <a:ext cx="834497" cy="834497"/>
       </dsp:txXfrm>
     </dsp:sp>
     <dsp:sp modelId="{A36A3FC2-D5E8-4031-9623-23DBC2AD2120}">
@@ -4642,8 +4642,8 @@
         </a:p>
       </dsp:txBody>
       <dsp:txXfrm>
-        <a:off x="1997911" y="88395"/>
-        <a:ext cx="619606" cy="619606"/>
+        <a:off x="2028158" y="118642"/>
+        <a:ext cx="559112" cy="559112"/>
       </dsp:txXfrm>
     </dsp:sp>
     <dsp:sp modelId="{83FC3B47-ABCF-4D1D-865A-EFF4B9A5444B}">
@@ -4790,8 +4790,8 @@
         </a:p>
       </dsp:txBody>
       <dsp:txXfrm>
-        <a:off x="3163219" y="1557837"/>
-        <a:ext cx="962223" cy="929365"/>
+        <a:off x="3208587" y="1603205"/>
+        <a:ext cx="871487" cy="838629"/>
       </dsp:txXfrm>
     </dsp:sp>
     <dsp:sp modelId="{89EE4BFD-55BB-4708-8249-3ED89B492AA2}">
@@ -4938,8 +4938,8 @@
         </a:p>
       </dsp:txBody>
       <dsp:txXfrm>
-        <a:off x="556396" y="1534648"/>
-        <a:ext cx="923045" cy="923045"/>
+        <a:off x="601455" y="1579707"/>
+        <a:ext cx="832927" cy="832927"/>
       </dsp:txXfrm>
     </dsp:sp>
   </dsp:spTree>
@@ -17676,7 +17676,6 @@
           <a:p>
             <a:fld id="{880BEA41-0E03-4414-8D7D-8BC8D2FBDB47}" type="datetimeFigureOut">
               <a:rPr lang="zh-TW" altLang="en-US" smtClean="0"/>
-              <a:pPr/>
               <a:t>2022/12/27</a:t>
             </a:fld>
             <a:endParaRPr lang="zh-TW" altLang="en-US"/>
@@ -17836,7 +17835,6 @@
           <a:p>
             <a:fld id="{E22B5AFD-9EC6-4066-94DB-ED676E883C66}" type="slidenum">
               <a:rPr lang="zh-TW" altLang="en-US" smtClean="0"/>
-              <a:pPr/>
               <a:t>‹#›</a:t>
             </a:fld>
             <a:endParaRPr lang="zh-TW" altLang="en-US"/>
@@ -17846,7 +17844,7 @@
     </p:spTree>
     <p:extLst>
       <p:ext uri="{BB962C8B-B14F-4D97-AF65-F5344CB8AC3E}">
-        <p14:creationId xmlns:p14="http://schemas.microsoft.com/office/powerpoint/2010/main" xmlns="" val="286750580"/>
+        <p14:creationId xmlns:p14="http://schemas.microsoft.com/office/powerpoint/2010/main" val="286750580"/>
       </p:ext>
     </p:extLst>
   </p:cSld>
@@ -18668,7 +18666,6 @@
           <a:p>
             <a:fld id="{B4461558-B13F-4568-8C80-3B987B692715}" type="datetime1">
               <a:rPr lang="zh-TW" altLang="en-US" smtClean="0"/>
-              <a:pPr/>
               <a:t>2022/12/27</a:t>
             </a:fld>
             <a:endParaRPr lang="zh-TW" altLang="en-US"/>
@@ -18711,7 +18708,6 @@
           <a:p>
             <a:fld id="{73F22FE2-60B1-48ED-AB1B-C224C07133E7}" type="slidenum">
               <a:rPr lang="zh-TW" altLang="en-US" smtClean="0"/>
-              <a:pPr/>
               <a:t>‹#›</a:t>
             </a:fld>
             <a:endParaRPr lang="zh-TW" altLang="en-US"/>
@@ -18721,7 +18717,7 @@
     </p:spTree>
     <p:extLst>
       <p:ext uri="{BB962C8B-B14F-4D97-AF65-F5344CB8AC3E}">
-        <p14:creationId xmlns:p14="http://schemas.microsoft.com/office/powerpoint/2010/main" xmlns="" val="4037634092"/>
+        <p14:creationId xmlns:p14="http://schemas.microsoft.com/office/powerpoint/2010/main" val="4037634092"/>
       </p:ext>
     </p:extLst>
   </p:cSld>
@@ -18921,7 +18917,6 @@
           <a:p>
             <a:fld id="{E86D3C80-AF0D-4E82-A5FF-CC3E3D83CE3E}" type="datetime1">
               <a:rPr lang="zh-TW" altLang="en-US" smtClean="0"/>
-              <a:pPr/>
               <a:t>2022/12/27</a:t>
             </a:fld>
             <a:endParaRPr lang="zh-TW" altLang="en-US"/>
@@ -18964,7 +18959,6 @@
           <a:p>
             <a:fld id="{73F22FE2-60B1-48ED-AB1B-C224C07133E7}" type="slidenum">
               <a:rPr lang="zh-TW" altLang="en-US" smtClean="0"/>
-              <a:pPr/>
               <a:t>‹#›</a:t>
             </a:fld>
             <a:endParaRPr lang="zh-TW" altLang="en-US"/>
@@ -18974,7 +18968,7 @@
     </p:spTree>
     <p:extLst>
       <p:ext uri="{BB962C8B-B14F-4D97-AF65-F5344CB8AC3E}">
-        <p14:creationId xmlns:p14="http://schemas.microsoft.com/office/powerpoint/2010/main" xmlns="" val="4081582994"/>
+        <p14:creationId xmlns:p14="http://schemas.microsoft.com/office/powerpoint/2010/main" val="4081582994"/>
       </p:ext>
     </p:extLst>
   </p:cSld>
@@ -19237,7 +19231,6 @@
           <a:p>
             <a:fld id="{D31D162B-8D47-4741-B429-F65587B90F97}" type="datetime1">
               <a:rPr lang="zh-TW" altLang="en-US" smtClean="0"/>
-              <a:pPr/>
               <a:t>2022/12/27</a:t>
             </a:fld>
             <a:endParaRPr lang="zh-TW" altLang="en-US"/>
@@ -19280,7 +19273,6 @@
           <a:p>
             <a:fld id="{73F22FE2-60B1-48ED-AB1B-C224C07133E7}" type="slidenum">
               <a:rPr lang="zh-TW" altLang="en-US" smtClean="0"/>
-              <a:pPr/>
               <a:t>‹#›</a:t>
             </a:fld>
             <a:endParaRPr lang="zh-TW" altLang="en-US"/>
@@ -19380,7 +19372,7 @@
     </p:spTree>
     <p:extLst>
       <p:ext uri="{BB962C8B-B14F-4D97-AF65-F5344CB8AC3E}">
-        <p14:creationId xmlns:p14="http://schemas.microsoft.com/office/powerpoint/2010/main" xmlns="" val="45056488"/>
+        <p14:creationId xmlns:p14="http://schemas.microsoft.com/office/powerpoint/2010/main" val="45056488"/>
       </p:ext>
     </p:extLst>
   </p:cSld>
@@ -19580,7 +19572,6 @@
           <a:p>
             <a:fld id="{1BFA4DF1-4466-4E89-911B-EC9702A3F3F0}" type="datetime1">
               <a:rPr lang="zh-TW" altLang="en-US" smtClean="0"/>
-              <a:pPr/>
               <a:t>2022/12/27</a:t>
             </a:fld>
             <a:endParaRPr lang="zh-TW" altLang="en-US"/>
@@ -19623,7 +19614,6 @@
           <a:p>
             <a:fld id="{73F22FE2-60B1-48ED-AB1B-C224C07133E7}" type="slidenum">
               <a:rPr lang="zh-TW" altLang="en-US" smtClean="0"/>
-              <a:pPr/>
               <a:t>‹#›</a:t>
             </a:fld>
             <a:endParaRPr lang="zh-TW" altLang="en-US"/>
@@ -19633,7 +19623,7 @@
     </p:spTree>
     <p:extLst>
       <p:ext uri="{BB962C8B-B14F-4D97-AF65-F5344CB8AC3E}">
-        <p14:creationId xmlns:p14="http://schemas.microsoft.com/office/powerpoint/2010/main" xmlns="" val="3009838957"/>
+        <p14:creationId xmlns:p14="http://schemas.microsoft.com/office/powerpoint/2010/main" val="3009838957"/>
       </p:ext>
     </p:extLst>
   </p:cSld>
@@ -19896,7 +19886,6 @@
           <a:p>
             <a:fld id="{7641060C-EDC7-41CB-ACCF-5211874FEC52}" type="datetime1">
               <a:rPr lang="zh-TW" altLang="en-US" smtClean="0"/>
-              <a:pPr/>
               <a:t>2022/12/27</a:t>
             </a:fld>
             <a:endParaRPr lang="zh-TW" altLang="en-US"/>
@@ -19939,7 +19928,6 @@
           <a:p>
             <a:fld id="{73F22FE2-60B1-48ED-AB1B-C224C07133E7}" type="slidenum">
               <a:rPr lang="zh-TW" altLang="en-US" smtClean="0"/>
-              <a:pPr/>
               <a:t>‹#›</a:t>
             </a:fld>
             <a:endParaRPr lang="zh-TW" altLang="en-US"/>
@@ -20031,7 +20019,7 @@
     </p:spTree>
     <p:extLst>
       <p:ext uri="{BB962C8B-B14F-4D97-AF65-F5344CB8AC3E}">
-        <p14:creationId xmlns:p14="http://schemas.microsoft.com/office/powerpoint/2010/main" xmlns="" val="1934823177"/>
+        <p14:creationId xmlns:p14="http://schemas.microsoft.com/office/powerpoint/2010/main" val="1934823177"/>
       </p:ext>
     </p:extLst>
   </p:cSld>
@@ -20291,7 +20279,6 @@
           <a:p>
             <a:fld id="{F663BC59-FE00-4907-9C0A-CF7A5C087B2E}" type="datetime1">
               <a:rPr lang="zh-TW" altLang="en-US" smtClean="0"/>
-              <a:pPr/>
               <a:t>2022/12/27</a:t>
             </a:fld>
             <a:endParaRPr lang="zh-TW" altLang="en-US"/>
@@ -20334,7 +20321,6 @@
           <a:p>
             <a:fld id="{73F22FE2-60B1-48ED-AB1B-C224C07133E7}" type="slidenum">
               <a:rPr lang="zh-TW" altLang="en-US" smtClean="0"/>
-              <a:pPr/>
               <a:t>‹#›</a:t>
             </a:fld>
             <a:endParaRPr lang="zh-TW" altLang="en-US"/>
@@ -20344,7 +20330,7 @@
     </p:spTree>
     <p:extLst>
       <p:ext uri="{BB962C8B-B14F-4D97-AF65-F5344CB8AC3E}">
-        <p14:creationId xmlns:p14="http://schemas.microsoft.com/office/powerpoint/2010/main" xmlns="" val="3636885182"/>
+        <p14:creationId xmlns:p14="http://schemas.microsoft.com/office/powerpoint/2010/main" val="3636885182"/>
       </p:ext>
     </p:extLst>
   </p:cSld>
@@ -20463,7 +20449,6 @@
           <a:p>
             <a:fld id="{C51542DA-F872-46E5-A559-2DD0F8BDFB14}" type="datetime1">
               <a:rPr lang="zh-TW" altLang="en-US" smtClean="0"/>
-              <a:pPr/>
               <a:t>2022/12/27</a:t>
             </a:fld>
             <a:endParaRPr lang="zh-TW" altLang="en-US"/>
@@ -20506,7 +20491,6 @@
           <a:p>
             <a:fld id="{73F22FE2-60B1-48ED-AB1B-C224C07133E7}" type="slidenum">
               <a:rPr lang="zh-TW" altLang="en-US" smtClean="0"/>
-              <a:pPr/>
               <a:t>‹#›</a:t>
             </a:fld>
             <a:endParaRPr lang="zh-TW" altLang="en-US"/>
@@ -20516,7 +20500,7 @@
     </p:spTree>
     <p:extLst>
       <p:ext uri="{BB962C8B-B14F-4D97-AF65-F5344CB8AC3E}">
-        <p14:creationId xmlns:p14="http://schemas.microsoft.com/office/powerpoint/2010/main" xmlns="" val="547513562"/>
+        <p14:creationId xmlns:p14="http://schemas.microsoft.com/office/powerpoint/2010/main" val="547513562"/>
       </p:ext>
     </p:extLst>
   </p:cSld>
@@ -20645,7 +20629,6 @@
           <a:p>
             <a:fld id="{F2DD6E1E-B746-4810-9839-9C995EB7B4C2}" type="datetime1">
               <a:rPr lang="zh-TW" altLang="en-US" smtClean="0"/>
-              <a:pPr/>
               <a:t>2022/12/27</a:t>
             </a:fld>
             <a:endParaRPr lang="zh-TW" altLang="en-US"/>
@@ -20688,7 +20671,6 @@
           <a:p>
             <a:fld id="{73F22FE2-60B1-48ED-AB1B-C224C07133E7}" type="slidenum">
               <a:rPr lang="zh-TW" altLang="en-US" smtClean="0"/>
-              <a:pPr/>
               <a:t>‹#›</a:t>
             </a:fld>
             <a:endParaRPr lang="zh-TW" altLang="en-US"/>
@@ -20698,7 +20680,7 @@
     </p:spTree>
     <p:extLst>
       <p:ext uri="{BB962C8B-B14F-4D97-AF65-F5344CB8AC3E}">
-        <p14:creationId xmlns:p14="http://schemas.microsoft.com/office/powerpoint/2010/main" xmlns="" val="2024532232"/>
+        <p14:creationId xmlns:p14="http://schemas.microsoft.com/office/powerpoint/2010/main" val="2024532232"/>
       </p:ext>
     </p:extLst>
   </p:cSld>
@@ -20823,7 +20805,6 @@
           <a:p>
             <a:fld id="{48A9B9B4-6E80-471B-A023-F24BECA06AE4}" type="datetime1">
               <a:rPr lang="zh-TW" altLang="en-US" smtClean="0"/>
-              <a:pPr/>
               <a:t>2022/12/27</a:t>
             </a:fld>
             <a:endParaRPr lang="zh-TW" altLang="en-US"/>
@@ -20866,7 +20847,6 @@
           <a:p>
             <a:fld id="{73F22FE2-60B1-48ED-AB1B-C224C07133E7}" type="slidenum">
               <a:rPr lang="zh-TW" altLang="en-US" smtClean="0"/>
-              <a:pPr/>
               <a:t>‹#›</a:t>
             </a:fld>
             <a:endParaRPr lang="zh-TW" altLang="en-US"/>
@@ -20876,7 +20856,7 @@
     </p:spTree>
     <p:extLst>
       <p:ext uri="{BB962C8B-B14F-4D97-AF65-F5344CB8AC3E}">
-        <p14:creationId xmlns:p14="http://schemas.microsoft.com/office/powerpoint/2010/main" xmlns="" val="2001601108"/>
+        <p14:creationId xmlns:p14="http://schemas.microsoft.com/office/powerpoint/2010/main" val="2001601108"/>
       </p:ext>
     </p:extLst>
   </p:cSld>
@@ -21072,7 +21052,6 @@
           <a:p>
             <a:fld id="{CA1E5608-7C96-47E6-B4F8-00332F31899B}" type="datetime1">
               <a:rPr lang="zh-TW" altLang="en-US" smtClean="0"/>
-              <a:pPr/>
               <a:t>2022/12/27</a:t>
             </a:fld>
             <a:endParaRPr lang="zh-TW" altLang="en-US"/>
@@ -21115,7 +21094,6 @@
           <a:p>
             <a:fld id="{73F22FE2-60B1-48ED-AB1B-C224C07133E7}" type="slidenum">
               <a:rPr lang="zh-TW" altLang="en-US" smtClean="0"/>
-              <a:pPr/>
               <a:t>‹#›</a:t>
             </a:fld>
             <a:endParaRPr lang="zh-TW" altLang="en-US"/>
@@ -21125,7 +21103,7 @@
     </p:spTree>
     <p:extLst>
       <p:ext uri="{BB962C8B-B14F-4D97-AF65-F5344CB8AC3E}">
-        <p14:creationId xmlns:p14="http://schemas.microsoft.com/office/powerpoint/2010/main" xmlns="" val="4128292737"/>
+        <p14:creationId xmlns:p14="http://schemas.microsoft.com/office/powerpoint/2010/main" val="4128292737"/>
       </p:ext>
     </p:extLst>
   </p:cSld>
@@ -21306,7 +21284,6 @@
           <a:p>
             <a:fld id="{8A0D961A-4A83-4BD7-B2E2-2B22A568F82D}" type="datetime1">
               <a:rPr lang="zh-TW" altLang="en-US" smtClean="0"/>
-              <a:pPr/>
               <a:t>2022/12/27</a:t>
             </a:fld>
             <a:endParaRPr lang="zh-TW" altLang="en-US"/>
@@ -21349,7 +21326,6 @@
           <a:p>
             <a:fld id="{73F22FE2-60B1-48ED-AB1B-C224C07133E7}" type="slidenum">
               <a:rPr lang="zh-TW" altLang="en-US" smtClean="0"/>
-              <a:pPr/>
               <a:t>‹#›</a:t>
             </a:fld>
             <a:endParaRPr lang="zh-TW" altLang="en-US"/>
@@ -21359,7 +21335,7 @@
     </p:spTree>
     <p:extLst>
       <p:ext uri="{BB962C8B-B14F-4D97-AF65-F5344CB8AC3E}">
-        <p14:creationId xmlns:p14="http://schemas.microsoft.com/office/powerpoint/2010/main" xmlns="" val="218515581"/>
+        <p14:creationId xmlns:p14="http://schemas.microsoft.com/office/powerpoint/2010/main" val="218515581"/>
       </p:ext>
     </p:extLst>
   </p:cSld>
@@ -21682,7 +21658,6 @@
           <a:p>
             <a:fld id="{800CCD5C-9EA4-431C-9874-5CA13E8DC915}" type="datetime1">
               <a:rPr lang="zh-TW" altLang="en-US" smtClean="0"/>
-              <a:pPr/>
               <a:t>2022/12/27</a:t>
             </a:fld>
             <a:endParaRPr lang="zh-TW" altLang="en-US"/>
@@ -21725,7 +21700,6 @@
           <a:p>
             <a:fld id="{73F22FE2-60B1-48ED-AB1B-C224C07133E7}" type="slidenum">
               <a:rPr lang="zh-TW" altLang="en-US" smtClean="0"/>
-              <a:pPr/>
               <a:t>‹#›</a:t>
             </a:fld>
             <a:endParaRPr lang="zh-TW" altLang="en-US"/>
@@ -21735,7 +21709,7 @@
     </p:spTree>
     <p:extLst>
       <p:ext uri="{BB962C8B-B14F-4D97-AF65-F5344CB8AC3E}">
-        <p14:creationId xmlns:p14="http://schemas.microsoft.com/office/powerpoint/2010/main" xmlns="" val="2514273306"/>
+        <p14:creationId xmlns:p14="http://schemas.microsoft.com/office/powerpoint/2010/main" val="2514273306"/>
       </p:ext>
     </p:extLst>
   </p:cSld>
@@ -21807,7 +21781,6 @@
           <a:p>
             <a:fld id="{BBB06CAA-EA6A-49D0-BF40-B5C1E097DC10}" type="datetime1">
               <a:rPr lang="zh-TW" altLang="en-US" smtClean="0"/>
-              <a:pPr/>
               <a:t>2022/12/27</a:t>
             </a:fld>
             <a:endParaRPr lang="zh-TW" altLang="en-US"/>
@@ -21850,7 +21823,6 @@
           <a:p>
             <a:fld id="{73F22FE2-60B1-48ED-AB1B-C224C07133E7}" type="slidenum">
               <a:rPr lang="zh-TW" altLang="en-US" smtClean="0"/>
-              <a:pPr/>
               <a:t>‹#›</a:t>
             </a:fld>
             <a:endParaRPr lang="zh-TW" altLang="en-US"/>
@@ -21860,7 +21832,7 @@
     </p:spTree>
     <p:extLst>
       <p:ext uri="{BB962C8B-B14F-4D97-AF65-F5344CB8AC3E}">
-        <p14:creationId xmlns:p14="http://schemas.microsoft.com/office/powerpoint/2010/main" xmlns="" val="3429748496"/>
+        <p14:creationId xmlns:p14="http://schemas.microsoft.com/office/powerpoint/2010/main" val="3429748496"/>
       </p:ext>
     </p:extLst>
   </p:cSld>
@@ -21904,7 +21876,6 @@
           <a:p>
             <a:fld id="{0E2F7A11-7A05-4691-801C-A34AA0BD798A}" type="datetime1">
               <a:rPr lang="zh-TW" altLang="en-US" smtClean="0"/>
-              <a:pPr/>
               <a:t>2022/12/27</a:t>
             </a:fld>
             <a:endParaRPr lang="zh-TW" altLang="en-US"/>
@@ -21947,7 +21918,6 @@
           <a:p>
             <a:fld id="{73F22FE2-60B1-48ED-AB1B-C224C07133E7}" type="slidenum">
               <a:rPr lang="zh-TW" altLang="en-US" smtClean="0"/>
-              <a:pPr/>
               <a:t>‹#›</a:t>
             </a:fld>
             <a:endParaRPr lang="zh-TW" altLang="en-US"/>
@@ -21957,7 +21927,7 @@
     </p:spTree>
     <p:extLst>
       <p:ext uri="{BB962C8B-B14F-4D97-AF65-F5344CB8AC3E}">
-        <p14:creationId xmlns:p14="http://schemas.microsoft.com/office/powerpoint/2010/main" xmlns="" val="3880813141"/>
+        <p14:creationId xmlns:p14="http://schemas.microsoft.com/office/powerpoint/2010/main" val="3880813141"/>
       </p:ext>
     </p:extLst>
   </p:cSld>
@@ -22161,7 +22131,6 @@
           <a:p>
             <a:fld id="{6AB4019A-7288-47FE-8E0A-85887F70963D}" type="datetime1">
               <a:rPr lang="zh-TW" altLang="en-US" smtClean="0"/>
-              <a:pPr/>
               <a:t>2022/12/27</a:t>
             </a:fld>
             <a:endParaRPr lang="zh-TW" altLang="en-US"/>
@@ -22204,7 +22173,6 @@
           <a:p>
             <a:fld id="{73F22FE2-60B1-48ED-AB1B-C224C07133E7}" type="slidenum">
               <a:rPr lang="zh-TW" altLang="en-US" smtClean="0"/>
-              <a:pPr/>
               <a:t>‹#›</a:t>
             </a:fld>
             <a:endParaRPr lang="zh-TW" altLang="en-US"/>
@@ -22214,7 +22182,7 @@
     </p:spTree>
     <p:extLst>
       <p:ext uri="{BB962C8B-B14F-4D97-AF65-F5344CB8AC3E}">
-        <p14:creationId xmlns:p14="http://schemas.microsoft.com/office/powerpoint/2010/main" xmlns="" val="85441128"/>
+        <p14:creationId xmlns:p14="http://schemas.microsoft.com/office/powerpoint/2010/main" val="85441128"/>
       </p:ext>
     </p:extLst>
   </p:cSld>
@@ -22426,7 +22394,6 @@
           <a:p>
             <a:fld id="{2C567BC2-FDFD-4C1B-82FC-90E0D5A66F7D}" type="datetime1">
               <a:rPr lang="zh-TW" altLang="en-US" smtClean="0"/>
-              <a:pPr/>
               <a:t>2022/12/27</a:t>
             </a:fld>
             <a:endParaRPr lang="zh-TW" altLang="en-US"/>
@@ -22469,7 +22436,6 @@
           <a:p>
             <a:fld id="{73F22FE2-60B1-48ED-AB1B-C224C07133E7}" type="slidenum">
               <a:rPr lang="zh-TW" altLang="en-US" smtClean="0"/>
-              <a:pPr/>
               <a:t>‹#›</a:t>
             </a:fld>
             <a:endParaRPr lang="zh-TW" altLang="en-US"/>
@@ -22479,7 +22445,7 @@
     </p:spTree>
     <p:extLst>
       <p:ext uri="{BB962C8B-B14F-4D97-AF65-F5344CB8AC3E}">
-        <p14:creationId xmlns:p14="http://schemas.microsoft.com/office/powerpoint/2010/main" xmlns="" val="1479543310"/>
+        <p14:creationId xmlns:p14="http://schemas.microsoft.com/office/powerpoint/2010/main" val="1479543310"/>
       </p:ext>
     </p:extLst>
   </p:cSld>
@@ -23171,7 +23137,6 @@
           <a:p>
             <a:fld id="{376154B1-3353-4130-A248-5CFED83A7AA0}" type="datetime1">
               <a:rPr lang="zh-TW" altLang="en-US" smtClean="0"/>
-              <a:pPr/>
               <a:t>2022/12/27</a:t>
             </a:fld>
             <a:endParaRPr lang="zh-TW" altLang="en-US"/>
@@ -23248,7 +23213,6 @@
           <a:p>
             <a:fld id="{73F22FE2-60B1-48ED-AB1B-C224C07133E7}" type="slidenum">
               <a:rPr lang="zh-TW" altLang="en-US" smtClean="0"/>
-              <a:pPr/>
               <a:t>‹#›</a:t>
             </a:fld>
             <a:endParaRPr lang="zh-TW" altLang="en-US"/>
@@ -23258,7 +23222,7 @@
     </p:spTree>
     <p:extLst>
       <p:ext uri="{BB962C8B-B14F-4D97-AF65-F5344CB8AC3E}">
-        <p14:creationId xmlns:p14="http://schemas.microsoft.com/office/powerpoint/2010/main" xmlns="" val="43129010"/>
+        <p14:creationId xmlns:p14="http://schemas.microsoft.com/office/powerpoint/2010/main" val="43129010"/>
       </p:ext>
     </p:extLst>
   </p:cSld>
@@ -23703,7 +23667,7 @@
           <p:cNvPr id="2" name="標題 1">
             <a:extLst>
               <a:ext uri="{FF2B5EF4-FFF2-40B4-BE49-F238E27FC236}">
-                <a16:creationId xmlns:a16="http://schemas.microsoft.com/office/drawing/2014/main" xmlns="" id="{19D8D81F-E578-4EE2-88FD-AA5FD2BFC825}"/>
+                <a16:creationId xmlns:a16="http://schemas.microsoft.com/office/drawing/2014/main" id="{19D8D81F-E578-4EE2-88FD-AA5FD2BFC825}"/>
               </a:ext>
             </a:extLst>
           </p:cNvPr>
@@ -23755,7 +23719,7 @@
           <p:cNvPr id="3" name="副標題 2">
             <a:extLst>
               <a:ext uri="{FF2B5EF4-FFF2-40B4-BE49-F238E27FC236}">
-                <a16:creationId xmlns:a16="http://schemas.microsoft.com/office/drawing/2014/main" xmlns="" id="{0DC772C9-3C58-467B-B745-46A05FD93C97}"/>
+                <a16:creationId xmlns:a16="http://schemas.microsoft.com/office/drawing/2014/main" id="{0DC772C9-3C58-467B-B745-46A05FD93C97}"/>
               </a:ext>
             </a:extLst>
           </p:cNvPr>
@@ -23821,7 +23785,6 @@
           <a:p>
             <a:fld id="{73F22FE2-60B1-48ED-AB1B-C224C07133E7}" type="slidenum">
               <a:rPr lang="zh-TW" altLang="en-US" smtClean="0"/>
-              <a:pPr/>
               <a:t>1</a:t>
             </a:fld>
             <a:endParaRPr lang="zh-TW" altLang="en-US"/>
@@ -23831,7 +23794,7 @@
     </p:spTree>
     <p:extLst>
       <p:ext uri="{BB962C8B-B14F-4D97-AF65-F5344CB8AC3E}">
-        <p14:creationId xmlns:p14="http://schemas.microsoft.com/office/powerpoint/2010/main" xmlns="" val="3816176292"/>
+        <p14:creationId xmlns:p14="http://schemas.microsoft.com/office/powerpoint/2010/main" val="3816176292"/>
       </p:ext>
     </p:extLst>
   </p:cSld>
@@ -23870,7 +23833,7 @@
           <p:cNvPr id="2" name="標題 1">
             <a:extLst>
               <a:ext uri="{FF2B5EF4-FFF2-40B4-BE49-F238E27FC236}">
-                <a16:creationId xmlns:a16="http://schemas.microsoft.com/office/drawing/2014/main" xmlns="" id="{E3BB38DA-13D9-422D-AE2D-B2337B6C4D88}"/>
+                <a16:creationId xmlns:a16="http://schemas.microsoft.com/office/drawing/2014/main" id="{E3BB38DA-13D9-422D-AE2D-B2337B6C4D88}"/>
               </a:ext>
             </a:extLst>
           </p:cNvPr>
@@ -24009,7 +23972,7 @@
           <p:nvPr/>
         </p:nvPicPr>
         <p:blipFill>
-          <a:blip r:embed="rId2" cstate="print"/>
+          <a:blip r:embed="rId2"/>
           <a:stretch>
             <a:fillRect/>
           </a:stretch>
@@ -24041,7 +24004,6 @@
           <a:p>
             <a:fld id="{73F22FE2-60B1-48ED-AB1B-C224C07133E7}" type="slidenum">
               <a:rPr lang="zh-TW" altLang="en-US" smtClean="0"/>
-              <a:pPr/>
               <a:t>2</a:t>
             </a:fld>
             <a:endParaRPr lang="zh-TW" altLang="en-US"/>
@@ -24051,7 +24013,7 @@
     </p:spTree>
     <p:extLst>
       <p:ext uri="{BB962C8B-B14F-4D97-AF65-F5344CB8AC3E}">
-        <p14:creationId xmlns:p14="http://schemas.microsoft.com/office/powerpoint/2010/main" xmlns="" val="3488165143"/>
+        <p14:creationId xmlns:p14="http://schemas.microsoft.com/office/powerpoint/2010/main" val="3488165143"/>
       </p:ext>
     </p:extLst>
   </p:cSld>
@@ -24365,7 +24327,7 @@
           <p:nvPr/>
         </p:nvPicPr>
         <p:blipFill>
-          <a:blip r:embed="rId2" cstate="print"/>
+          <a:blip r:embed="rId2"/>
           <a:stretch>
             <a:fillRect/>
           </a:stretch>
@@ -24385,7 +24347,7 @@
           <p:cNvPr id="2" name="標題 1">
             <a:extLst>
               <a:ext uri="{FF2B5EF4-FFF2-40B4-BE49-F238E27FC236}">
-                <a16:creationId xmlns:a16="http://schemas.microsoft.com/office/drawing/2014/main" xmlns="" id="{05DD4E7D-9834-4CDF-AE00-A7C0930BA654}"/>
+                <a16:creationId xmlns:a16="http://schemas.microsoft.com/office/drawing/2014/main" id="{05DD4E7D-9834-4CDF-AE00-A7C0930BA654}"/>
               </a:ext>
             </a:extLst>
           </p:cNvPr>
@@ -24403,7 +24365,11 @@
           <a:p>
             <a:r>
               <a:rPr lang="zh-TW" altLang="en-US" dirty="0" smtClean="0"/>
-              <a:t>網站結構</a:t>
+              <a:t>網站</a:t>
+            </a:r>
+            <a:r>
+              <a:rPr lang="zh-TW" altLang="en-US" dirty="0" smtClean="0"/>
+              <a:t>結構</a:t>
             </a:r>
             <a:r>
               <a:rPr lang="en-US" altLang="zh-TW" dirty="0" smtClean="0"/>
@@ -24424,7 +24390,7 @@
           <p:nvPr>
             <p:extLst>
               <p:ext uri="{D42A27DB-BD31-4B8C-83A1-F6EECF244321}">
-                <p14:modId xmlns:p14="http://schemas.microsoft.com/office/powerpoint/2010/main" xmlns="" val="1037097069"/>
+                <p14:modId xmlns:p14="http://schemas.microsoft.com/office/powerpoint/2010/main" val="1037097069"/>
               </p:ext>
             </p:extLst>
           </p:nvPr>
@@ -24581,6 +24547,7 @@
               <a:rPr lang="zh-TW" altLang="en-US" dirty="0"/>
               <a:t>有作者提供近的重要資訊</a:t>
             </a:r>
+            <a:endParaRPr lang="zh-TW" altLang="en-US" dirty="0"/>
           </a:p>
         </p:txBody>
       </p:sp>
@@ -24601,7 +24568,6 @@
           <a:p>
             <a:fld id="{73F22FE2-60B1-48ED-AB1B-C224C07133E7}" type="slidenum">
               <a:rPr lang="zh-TW" altLang="en-US" smtClean="0"/>
-              <a:pPr/>
               <a:t>3</a:t>
             </a:fld>
             <a:endParaRPr lang="zh-TW" altLang="en-US"/>
@@ -24744,7 +24710,7 @@
     </p:spTree>
     <p:extLst>
       <p:ext uri="{BB962C8B-B14F-4D97-AF65-F5344CB8AC3E}">
-        <p14:creationId xmlns:p14="http://schemas.microsoft.com/office/powerpoint/2010/main" xmlns="" val="2816971569"/>
+        <p14:creationId xmlns:p14="http://schemas.microsoft.com/office/powerpoint/2010/main" val="2816971569"/>
       </p:ext>
     </p:extLst>
   </p:cSld>
@@ -25079,7 +25045,7 @@
           <p:nvPr/>
         </p:nvPicPr>
         <p:blipFill>
-          <a:blip r:embed="rId2" cstate="print"/>
+          <a:blip r:embed="rId2"/>
           <a:stretch>
             <a:fillRect/>
           </a:stretch>
@@ -25099,7 +25065,7 @@
           <p:cNvPr id="2" name="標題 1">
             <a:extLst>
               <a:ext uri="{FF2B5EF4-FFF2-40B4-BE49-F238E27FC236}">
-                <a16:creationId xmlns:a16="http://schemas.microsoft.com/office/drawing/2014/main" xmlns="" id="{05DD4E7D-9834-4CDF-AE00-A7C0930BA654}"/>
+                <a16:creationId xmlns:a16="http://schemas.microsoft.com/office/drawing/2014/main" id="{05DD4E7D-9834-4CDF-AE00-A7C0930BA654}"/>
               </a:ext>
             </a:extLst>
           </p:cNvPr>
@@ -25117,7 +25083,11 @@
           <a:p>
             <a:r>
               <a:rPr lang="zh-TW" altLang="en-US" dirty="0" smtClean="0"/>
-              <a:t>網站結構</a:t>
+              <a:t>網站</a:t>
+            </a:r>
+            <a:r>
+              <a:rPr lang="zh-TW" altLang="en-US" dirty="0" smtClean="0"/>
+              <a:t>結構</a:t>
             </a:r>
             <a:r>
               <a:rPr lang="en-US" altLang="zh-TW" dirty="0" smtClean="0"/>
@@ -25253,7 +25223,6 @@
           <a:p>
             <a:fld id="{73F22FE2-60B1-48ED-AB1B-C224C07133E7}" type="slidenum">
               <a:rPr lang="zh-TW" altLang="en-US" smtClean="0"/>
-              <a:pPr/>
               <a:t>4</a:t>
             </a:fld>
             <a:endParaRPr lang="zh-TW" altLang="en-US"/>
@@ -25363,7 +25332,7 @@
     </p:spTree>
     <p:extLst>
       <p:ext uri="{BB962C8B-B14F-4D97-AF65-F5344CB8AC3E}">
-        <p14:creationId xmlns:p14="http://schemas.microsoft.com/office/powerpoint/2010/main" xmlns="" val="1710654974"/>
+        <p14:creationId xmlns:p14="http://schemas.microsoft.com/office/powerpoint/2010/main" val="1710654974"/>
       </p:ext>
     </p:extLst>
   </p:cSld>
@@ -25609,7 +25578,7 @@
           <p:nvPr/>
         </p:nvPicPr>
         <p:blipFill rotWithShape="1">
-          <a:blip r:embed="rId2" cstate="print"/>
+          <a:blip r:embed="rId2"/>
           <a:srcRect l="49974" b="3594"/>
           <a:stretch/>
         </p:blipFill>
@@ -25628,7 +25597,7 @@
           <p:cNvPr id="2" name="標題 1">
             <a:extLst>
               <a:ext uri="{FF2B5EF4-FFF2-40B4-BE49-F238E27FC236}">
-                <a16:creationId xmlns:a16="http://schemas.microsoft.com/office/drawing/2014/main" xmlns="" id="{05DD4E7D-9834-4CDF-AE00-A7C0930BA654}"/>
+                <a16:creationId xmlns:a16="http://schemas.microsoft.com/office/drawing/2014/main" id="{05DD4E7D-9834-4CDF-AE00-A7C0930BA654}"/>
               </a:ext>
             </a:extLst>
           </p:cNvPr>
@@ -25646,7 +25615,11 @@
           <a:p>
             <a:r>
               <a:rPr lang="zh-TW" altLang="en-US" dirty="0" smtClean="0"/>
-              <a:t>網站結構</a:t>
+              <a:t>網站</a:t>
+            </a:r>
+            <a:r>
+              <a:rPr lang="zh-TW" altLang="en-US" dirty="0" smtClean="0"/>
+              <a:t>結構</a:t>
             </a:r>
             <a:r>
               <a:rPr lang="en-US" altLang="zh-TW" dirty="0" smtClean="0"/>
@@ -25778,7 +25751,6 @@
           <a:p>
             <a:fld id="{73F22FE2-60B1-48ED-AB1B-C224C07133E7}" type="slidenum">
               <a:rPr lang="zh-TW" altLang="en-US" smtClean="0"/>
-              <a:pPr/>
               <a:t>5</a:t>
             </a:fld>
             <a:endParaRPr lang="zh-TW" altLang="en-US"/>
@@ -25890,7 +25862,7 @@
     </p:spTree>
     <p:extLst>
       <p:ext uri="{BB962C8B-B14F-4D97-AF65-F5344CB8AC3E}">
-        <p14:creationId xmlns:p14="http://schemas.microsoft.com/office/powerpoint/2010/main" xmlns="" val="3939474937"/>
+        <p14:creationId xmlns:p14="http://schemas.microsoft.com/office/powerpoint/2010/main" val="3939474937"/>
       </p:ext>
     </p:extLst>
   </p:cSld>
@@ -26132,7 +26104,7 @@
           <p:cNvPr id="2" name="標題 1">
             <a:extLst>
               <a:ext uri="{FF2B5EF4-FFF2-40B4-BE49-F238E27FC236}">
-                <a16:creationId xmlns:a16="http://schemas.microsoft.com/office/drawing/2014/main" xmlns="" id="{E3BB38DA-13D9-422D-AE2D-B2337B6C4D88}"/>
+                <a16:creationId xmlns:a16="http://schemas.microsoft.com/office/drawing/2014/main" id="{E3BB38DA-13D9-422D-AE2D-B2337B6C4D88}"/>
               </a:ext>
             </a:extLst>
           </p:cNvPr>
@@ -26242,7 +26214,7 @@
         <p:spPr>
           <a:xfrm>
             <a:off x="677334" y="1927828"/>
-            <a:ext cx="7789025" cy="1477328"/>
+            <a:ext cx="7789025" cy="2031325"/>
           </a:xfrm>
           <a:prstGeom prst="rect">
             <a:avLst/>
@@ -26261,11 +26233,11 @@
             </a:pPr>
             <a:r>
               <a:rPr lang="zh-TW" altLang="en-US" dirty="0" smtClean="0"/>
-              <a:t>利用</a:t>
+              <a:t>列用</a:t>
             </a:r>
             <a:r>
               <a:rPr lang="en-US" altLang="zh-TW" dirty="0" err="1" smtClean="0"/>
-              <a:t>CSS,JavaScript,jquery</a:t>
+              <a:t>CSS,JavaScript</a:t>
             </a:r>
             <a:r>
               <a:rPr lang="zh-TW" altLang="en-US" dirty="0" smtClean="0"/>
@@ -26274,8 +26246,39 @@
             <a:endParaRPr lang="en-US" altLang="zh-TW" dirty="0" smtClean="0"/>
           </a:p>
           <a:p>
-            <a:pPr marL="342900" indent="-342900"/>
+            <a:pPr marL="342900" indent="-342900">
+              <a:buFont typeface="+mj-lt"/>
+              <a:buAutoNum type="arabicPeriod"/>
+            </a:pPr>
+            <a:endParaRPr lang="en-US" altLang="zh-TW" dirty="0"/>
+          </a:p>
+          <a:p>
+            <a:pPr marL="342900" indent="-342900">
+              <a:buFont typeface="+mj-lt"/>
+              <a:buAutoNum type="arabicPeriod"/>
+            </a:pPr>
             <a:endParaRPr lang="en-US" altLang="zh-TW" dirty="0" smtClean="0"/>
+          </a:p>
+          <a:p>
+            <a:pPr marL="342900" indent="-342900">
+              <a:buFont typeface="+mj-lt"/>
+              <a:buAutoNum type="arabicPeriod"/>
+            </a:pPr>
+            <a:endParaRPr lang="en-US" altLang="zh-TW" dirty="0"/>
+          </a:p>
+          <a:p>
+            <a:pPr marL="342900" indent="-342900">
+              <a:buFont typeface="+mj-lt"/>
+              <a:buAutoNum type="arabicPeriod"/>
+            </a:pPr>
+            <a:endParaRPr lang="en-US" altLang="zh-TW" dirty="0" smtClean="0"/>
+          </a:p>
+          <a:p>
+            <a:pPr marL="342900" indent="-342900">
+              <a:buFont typeface="+mj-lt"/>
+              <a:buAutoNum type="arabicPeriod"/>
+            </a:pPr>
+            <a:endParaRPr lang="en-US" altLang="zh-TW" dirty="0"/>
           </a:p>
           <a:p>
             <a:r>
@@ -26288,41 +26291,19 @@
             </a:r>
             <a:r>
               <a:rPr lang="en-US" altLang="zh-TW" dirty="0" smtClean="0"/>
-              <a:t>node.js express</a:t>
+              <a:t>node </a:t>
             </a:r>
             <a:r>
-              <a:rPr lang="zh-TW" altLang="en-US" dirty="0" smtClean="0"/>
-              <a:t>來架設後端資料</a:t>
-            </a:r>
-            <a:endParaRPr lang="en-US" altLang="zh-TW" dirty="0" smtClean="0"/>
-          </a:p>
-          <a:p>
-            <a:endParaRPr lang="en-US" altLang="zh-TW" dirty="0" smtClean="0"/>
-          </a:p>
-          <a:p>
-            <a:r>
-              <a:rPr lang="en-US" altLang="zh-TW" dirty="0" smtClean="0"/>
-              <a:t>3.</a:t>
-            </a:r>
-            <a:r>
-              <a:rPr lang="zh-TW" altLang="en-US" dirty="0" smtClean="0"/>
-              <a:t> 利用</a:t>
+              <a:rPr lang="en-US" altLang="zh-TW" dirty="0" err="1" smtClean="0"/>
+              <a:t>js</a:t>
             </a:r>
             <a:r>
               <a:rPr lang="en-US" altLang="zh-TW" dirty="0" smtClean="0"/>
               <a:t> </a:t>
             </a:r>
             <a:r>
-              <a:rPr lang="en-US" altLang="zh-TW" dirty="0" err="1" smtClean="0"/>
-              <a:t>mongodb</a:t>
-            </a:r>
-            <a:r>
-              <a:rPr lang="en-US" altLang="zh-TW" dirty="0" smtClean="0"/>
-              <a:t> cloud </a:t>
-            </a:r>
-            <a:r>
               <a:rPr lang="zh-TW" altLang="en-US" dirty="0" smtClean="0"/>
-              <a:t>來架設資料庫</a:t>
+              <a:t>來架設後端資料</a:t>
             </a:r>
             <a:endParaRPr lang="en-US" altLang="zh-TW" dirty="0" smtClean="0"/>
           </a:p>
@@ -26345,7 +26326,6 @@
           <a:p>
             <a:fld id="{73F22FE2-60B1-48ED-AB1B-C224C07133E7}" type="slidenum">
               <a:rPr lang="zh-TW" altLang="en-US" smtClean="0"/>
-              <a:pPr/>
               <a:t>6</a:t>
             </a:fld>
             <a:endParaRPr lang="zh-TW" altLang="en-US"/>
@@ -26355,7 +26335,7 @@
     </p:spTree>
     <p:extLst>
       <p:ext uri="{BB962C8B-B14F-4D97-AF65-F5344CB8AC3E}">
-        <p14:creationId xmlns:p14="http://schemas.microsoft.com/office/powerpoint/2010/main" xmlns="" val="1188236371"/>
+        <p14:creationId xmlns:p14="http://schemas.microsoft.com/office/powerpoint/2010/main" val="1188236371"/>
       </p:ext>
     </p:extLst>
   </p:cSld>
@@ -26394,7 +26374,7 @@
           <p:cNvPr id="2" name="標題 1">
             <a:extLst>
               <a:ext uri="{FF2B5EF4-FFF2-40B4-BE49-F238E27FC236}">
-                <a16:creationId xmlns:a16="http://schemas.microsoft.com/office/drawing/2014/main" xmlns="" id="{E3BB38DA-13D9-422D-AE2D-B2337B6C4D88}"/>
+                <a16:creationId xmlns:a16="http://schemas.microsoft.com/office/drawing/2014/main" id="{E3BB38DA-13D9-422D-AE2D-B2337B6C4D88}"/>
               </a:ext>
             </a:extLst>
           </p:cNvPr>
@@ -26504,7 +26484,7 @@
         <p:spPr>
           <a:xfrm>
             <a:off x="677334" y="1850782"/>
-            <a:ext cx="7789025" cy="2031325"/>
+            <a:ext cx="7789025" cy="1754326"/>
           </a:xfrm>
           <a:prstGeom prst="rect">
             <a:avLst/>
@@ -26589,17 +26569,6 @@
               <a:t>:</a:t>
             </a:r>
           </a:p>
-          <a:p>
-            <a:r>
-              <a:rPr lang="en-US" altLang="zh-TW" dirty="0" smtClean="0"/>
-              <a:t>	</a:t>
-            </a:r>
-            <a:r>
-              <a:rPr lang="zh-TW" altLang="en-US" dirty="0" smtClean="0"/>
-              <a:t>負責後端部分以及資料庫與網站的部署</a:t>
-            </a:r>
-            <a:endParaRPr lang="en-US" altLang="zh-TW" dirty="0" smtClean="0"/>
-          </a:p>
         </p:txBody>
       </p:sp>
       <p:sp>
@@ -26619,7 +26588,6 @@
           <a:p>
             <a:fld id="{73F22FE2-60B1-48ED-AB1B-C224C07133E7}" type="slidenum">
               <a:rPr lang="zh-TW" altLang="en-US" smtClean="0"/>
-              <a:pPr/>
               <a:t>7</a:t>
             </a:fld>
             <a:endParaRPr lang="zh-TW" altLang="en-US"/>
@@ -26629,7 +26597,7 @@
     </p:spTree>
     <p:extLst>
       <p:ext uri="{BB962C8B-B14F-4D97-AF65-F5344CB8AC3E}">
-        <p14:creationId xmlns:p14="http://schemas.microsoft.com/office/powerpoint/2010/main" xmlns="" val="2406230336"/>
+        <p14:creationId xmlns:p14="http://schemas.microsoft.com/office/powerpoint/2010/main" val="2406230336"/>
       </p:ext>
     </p:extLst>
   </p:cSld>
@@ -26725,7 +26693,6 @@
           <a:p>
             <a:fld id="{73F22FE2-60B1-48ED-AB1B-C224C07133E7}" type="slidenum">
               <a:rPr lang="zh-TW" altLang="en-US" smtClean="0"/>
-              <a:pPr/>
               <a:t>8</a:t>
             </a:fld>
             <a:endParaRPr lang="zh-TW" altLang="en-US"/>
@@ -26735,7 +26702,7 @@
     </p:spTree>
     <p:extLst>
       <p:ext uri="{BB962C8B-B14F-4D97-AF65-F5344CB8AC3E}">
-        <p14:creationId xmlns:p14="http://schemas.microsoft.com/office/powerpoint/2010/main" xmlns="" val="1081375620"/>
+        <p14:creationId xmlns:p14="http://schemas.microsoft.com/office/powerpoint/2010/main" val="1081375620"/>
       </p:ext>
     </p:extLst>
   </p:cSld>
@@ -26795,7 +26762,7 @@
     </a:clrScheme>
     <a:fontScheme name="多面向">
       <a:majorFont>
-        <a:latin typeface="Trebuchet MS"/>
+        <a:latin typeface="Trebuchet MS" panose="020B0603020202020204"/>
         <a:ea typeface=""/>
         <a:cs typeface=""/>
         <a:font script="Jpan" typeface="メイリオ"/>
@@ -26830,7 +26797,7 @@
         <a:font script="Geor" typeface="Sylfaen"/>
       </a:majorFont>
       <a:minorFont>
-        <a:latin typeface="Trebuchet MS"/>
+        <a:latin typeface="Trebuchet MS" panose="020B0603020202020204"/>
         <a:ea typeface=""/>
         <a:cs typeface=""/>
         <a:font script="Jpan" typeface="メイリオ"/>
@@ -27003,7 +26970,7 @@
   <a:extraClrSchemeLst/>
   <a:extLst>
     <a:ext uri="{05A4C25C-085E-4340-85A3-A5531E510DB2}">
-      <thm15:themeFamily xmlns:thm15="http://schemas.microsoft.com/office/thememl/2012/main" xmlns="" name="Facet" id="{C0C680CD-088A-49FC-A102-D699147F32B2}" vid="{CFBC31BA-B70F-4F30-BCAA-4F3011E16C4D}"/>
+      <thm15:themeFamily xmlns:thm15="http://schemas.microsoft.com/office/thememl/2012/main" name="Facet" id="{C0C680CD-088A-49FC-A102-D699147F32B2}" vid="{CFBC31BA-B70F-4F30-BCAA-4F3011E16C4D}"/>
     </a:ext>
   </a:extLst>
 </a:theme>
@@ -27052,7 +27019,7 @@
     </a:clrScheme>
     <a:fontScheme name="Office">
       <a:majorFont>
-        <a:latin typeface="Calibri Light"/>
+        <a:latin typeface="Calibri Light" panose="020F0302020204030204"/>
         <a:ea typeface=""/>
         <a:cs typeface=""/>
         <a:font script="Jpan" typeface="游ゴシック Light"/>
@@ -27087,7 +27054,7 @@
         <a:font script="Geor" typeface="Sylfaen"/>
       </a:majorFont>
       <a:minorFont>
-        <a:latin typeface="Calibri"/>
+        <a:latin typeface="Calibri" panose="020F0502020204030204"/>
         <a:ea typeface=""/>
         <a:cs typeface=""/>
         <a:font script="Jpan" typeface="游ゴシック"/>
@@ -27264,7 +27231,7 @@
   <a:extraClrSchemeLst/>
   <a:extLst>
     <a:ext uri="{05A4C25C-085E-4340-85A3-A5531E510DB2}">
-      <thm15:themeFamily xmlns:thm15="http://schemas.microsoft.com/office/thememl/2012/main" xmlns="" name="Office Theme" id="{62F939B6-93AF-4DB8-9C6B-D6C7DFDC589F}" vid="{4A3C46E8-61CC-4603-A589-7422A47A8E4A}"/>
+      <thm15:themeFamily xmlns:thm15="http://schemas.microsoft.com/office/thememl/2012/main" name="Office Theme" id="{62F939B6-93AF-4DB8-9C6B-D6C7DFDC589F}" vid="{4A3C46E8-61CC-4603-A589-7422A47A8E4A}"/>
     </a:ext>
   </a:extLst>
 </a:theme>
